--- a/Battle of Neighborhoods-Presentation.pptx
+++ b/Battle of Neighborhoods-Presentation.pptx
@@ -10,20 +10,22 @@
     <p:sldId id="257" r:id="rId4"/>
     <p:sldId id="258" r:id="rId5"/>
     <p:sldId id="276" r:id="rId6"/>
-    <p:sldId id="282" r:id="rId7"/>
-    <p:sldId id="283" r:id="rId8"/>
-    <p:sldId id="279" r:id="rId9"/>
-    <p:sldId id="280" r:id="rId10"/>
-    <p:sldId id="284" r:id="rId11"/>
-    <p:sldId id="285" r:id="rId12"/>
-    <p:sldId id="286" r:id="rId13"/>
-    <p:sldId id="281" r:id="rId14"/>
-    <p:sldId id="287" r:id="rId15"/>
-    <p:sldId id="288" r:id="rId16"/>
-    <p:sldId id="289" r:id="rId17"/>
-    <p:sldId id="290" r:id="rId18"/>
-    <p:sldId id="269" r:id="rId19"/>
-    <p:sldId id="270" r:id="rId20"/>
+    <p:sldId id="291" r:id="rId7"/>
+    <p:sldId id="282" r:id="rId8"/>
+    <p:sldId id="283" r:id="rId9"/>
+    <p:sldId id="279" r:id="rId10"/>
+    <p:sldId id="280" r:id="rId11"/>
+    <p:sldId id="284" r:id="rId12"/>
+    <p:sldId id="285" r:id="rId13"/>
+    <p:sldId id="286" r:id="rId14"/>
+    <p:sldId id="281" r:id="rId15"/>
+    <p:sldId id="287" r:id="rId16"/>
+    <p:sldId id="288" r:id="rId17"/>
+    <p:sldId id="289" r:id="rId18"/>
+    <p:sldId id="290" r:id="rId19"/>
+    <p:sldId id="269" r:id="rId20"/>
+    <p:sldId id="292" r:id="rId21"/>
+    <p:sldId id="270" r:id="rId22"/>
   </p:sldIdLst>
   <p:sldSz cx="12192000" cy="6858000"/>
   <p:notesSz cx="6858000" cy="9144000"/>
@@ -6303,6 +6305,101 @@
           <a:chExt cx="0" cy="0"/>
         </a:xfrm>
       </p:grpSpPr>
+      <p:pic>
+        <p:nvPicPr>
+          <p:cNvPr id="7" name="Picture 6">
+            <a:extLst>
+              <a:ext uri="{FF2B5EF4-FFF2-40B4-BE49-F238E27FC236}">
+                <a16:creationId xmlns:a16="http://schemas.microsoft.com/office/drawing/2014/main" id="{DFB5D164-8017-422D-A71C-AF89F78391FD}"/>
+              </a:ext>
+            </a:extLst>
+          </p:cNvPr>
+          <p:cNvPicPr>
+            <a:picLocks noChangeAspect="1"/>
+          </p:cNvPicPr>
+          <p:nvPr/>
+        </p:nvPicPr>
+        <p:blipFill>
+          <a:blip r:embed="rId2"/>
+          <a:stretch>
+            <a:fillRect/>
+          </a:stretch>
+        </p:blipFill>
+        <p:spPr>
+          <a:xfrm>
+            <a:off x="1771650" y="1585913"/>
+            <a:ext cx="9301163" cy="7115175"/>
+          </a:xfrm>
+          <a:prstGeom prst="rect">
+            <a:avLst/>
+          </a:prstGeom>
+        </p:spPr>
+      </p:pic>
+      <p:sp>
+        <p:nvSpPr>
+          <p:cNvPr id="8" name="TextBox 7">
+            <a:extLst>
+              <a:ext uri="{FF2B5EF4-FFF2-40B4-BE49-F238E27FC236}">
+                <a16:creationId xmlns:a16="http://schemas.microsoft.com/office/drawing/2014/main" id="{FE914200-C3AE-497C-83F3-F1791F255605}"/>
+              </a:ext>
+            </a:extLst>
+          </p:cNvPr>
+          <p:cNvSpPr txBox="1"/>
+          <p:nvPr/>
+        </p:nvSpPr>
+        <p:spPr>
+          <a:xfrm>
+            <a:off x="1428751" y="223181"/>
+            <a:ext cx="10421507" cy="646331"/>
+          </a:xfrm>
+          <a:prstGeom prst="rect">
+            <a:avLst/>
+          </a:prstGeom>
+          <a:noFill/>
+        </p:spPr>
+        <p:txBody>
+          <a:bodyPr wrap="none" rtlCol="0">
+            <a:spAutoFit/>
+          </a:bodyPr>
+          <a:lstStyle/>
+          <a:p>
+            <a:r>
+              <a:rPr lang="en-GB" sz="3600" b="1" dirty="0"/>
+              <a:t>Neighbourhood of Toronto - Average school ratings</a:t>
+            </a:r>
+          </a:p>
+        </p:txBody>
+      </p:sp>
+    </p:spTree>
+    <p:extLst>
+      <p:ext uri="{BB962C8B-B14F-4D97-AF65-F5344CB8AC3E}">
+        <p14:creationId xmlns:p14="http://schemas.microsoft.com/office/powerpoint/2010/main" val="638095651"/>
+      </p:ext>
+    </p:extLst>
+  </p:cSld>
+  <p:clrMapOvr>
+    <a:masterClrMapping/>
+  </p:clrMapOvr>
+</p:sld>
+</file>
+
+<file path=ppt/slides/slide11.xml><?xml version="1.0" encoding="utf-8"?>
+<p:sld xmlns:a="http://schemas.openxmlformats.org/drawingml/2006/main" xmlns:r="http://schemas.openxmlformats.org/officeDocument/2006/relationships" xmlns:p="http://schemas.openxmlformats.org/presentationml/2006/main">
+  <p:cSld>
+    <p:spTree>
+      <p:nvGrpSpPr>
+        <p:cNvPr id="1" name=""/>
+        <p:cNvGrpSpPr/>
+        <p:nvPr/>
+      </p:nvGrpSpPr>
+      <p:grpSpPr>
+        <a:xfrm>
+          <a:off x="0" y="0"/>
+          <a:ext cx="0" cy="0"/>
+          <a:chOff x="0" y="0"/>
+          <a:chExt cx="0" cy="0"/>
+        </a:xfrm>
+      </p:grpSpPr>
       <p:sp>
         <p:nvSpPr>
           <p:cNvPr id="8" name="TextBox 7">
@@ -6381,7 +6478,7 @@
 </p:sld>
 </file>
 
-<file path=ppt/slides/slide11.xml><?xml version="1.0" encoding="utf-8"?>
+<file path=ppt/slides/slide12.xml><?xml version="1.0" encoding="utf-8"?>
 <p:sld xmlns:a="http://schemas.openxmlformats.org/drawingml/2006/main" xmlns:r="http://schemas.openxmlformats.org/officeDocument/2006/relationships" xmlns:p="http://schemas.openxmlformats.org/presentationml/2006/main">
   <p:cSld>
     <p:spTree>
@@ -6476,7 +6573,7 @@
 </p:sld>
 </file>
 
-<file path=ppt/slides/slide12.xml><?xml version="1.0" encoding="utf-8"?>
+<file path=ppt/slides/slide13.xml><?xml version="1.0" encoding="utf-8"?>
 <p:sld xmlns:a="http://schemas.openxmlformats.org/drawingml/2006/main" xmlns:r="http://schemas.openxmlformats.org/officeDocument/2006/relationships" xmlns:p="http://schemas.openxmlformats.org/presentationml/2006/main">
   <p:cSld>
     <p:spTree>
@@ -6571,7 +6668,7 @@
 </p:sld>
 </file>
 
-<file path=ppt/slides/slide13.xml><?xml version="1.0" encoding="utf-8"?>
+<file path=ppt/slides/slide14.xml><?xml version="1.0" encoding="utf-8"?>
 <p:sld xmlns:a="http://schemas.openxmlformats.org/drawingml/2006/main" xmlns:r="http://schemas.openxmlformats.org/officeDocument/2006/relationships" xmlns:p="http://schemas.openxmlformats.org/presentationml/2006/main">
   <p:cSld>
     <p:spTree>
@@ -6674,7 +6771,7 @@
 </p:sld>
 </file>
 
-<file path=ppt/slides/slide14.xml><?xml version="1.0" encoding="utf-8"?>
+<file path=ppt/slides/slide15.xml><?xml version="1.0" encoding="utf-8"?>
 <p:sld xmlns:a="http://schemas.openxmlformats.org/drawingml/2006/main" xmlns:r="http://schemas.openxmlformats.org/officeDocument/2006/relationships" xmlns:p="http://schemas.openxmlformats.org/presentationml/2006/main">
   <p:cSld>
     <p:spTree>
@@ -6777,7 +6874,7 @@
 </p:sld>
 </file>
 
-<file path=ppt/slides/slide15.xml><?xml version="1.0" encoding="utf-8"?>
+<file path=ppt/slides/slide16.xml><?xml version="1.0" encoding="utf-8"?>
 <p:sld xmlns:a="http://schemas.openxmlformats.org/drawingml/2006/main" xmlns:r="http://schemas.openxmlformats.org/officeDocument/2006/relationships" xmlns:p="http://schemas.openxmlformats.org/presentationml/2006/main">
   <p:cSld>
     <p:spTree>
@@ -6880,7 +6977,7 @@
 </p:sld>
 </file>
 
-<file path=ppt/slides/slide16.xml><?xml version="1.0" encoding="utf-8"?>
+<file path=ppt/slides/slide17.xml><?xml version="1.0" encoding="utf-8"?>
 <p:sld xmlns:a="http://schemas.openxmlformats.org/drawingml/2006/main" xmlns:r="http://schemas.openxmlformats.org/officeDocument/2006/relationships" xmlns:p="http://schemas.openxmlformats.org/presentationml/2006/main">
   <p:cSld>
     <p:spTree>
@@ -6983,7 +7080,7 @@
 </p:sld>
 </file>
 
-<file path=ppt/slides/slide17.xml><?xml version="1.0" encoding="utf-8"?>
+<file path=ppt/slides/slide18.xml><?xml version="1.0" encoding="utf-8"?>
 <p:sld xmlns:a="http://schemas.openxmlformats.org/drawingml/2006/main" xmlns:r="http://schemas.openxmlformats.org/officeDocument/2006/relationships" xmlns:p="http://schemas.openxmlformats.org/presentationml/2006/main">
   <p:cSld>
     <p:spTree>
@@ -7086,137 +7183,6 @@
 </p:sld>
 </file>
 
-<file path=ppt/slides/slide18.xml><?xml version="1.0" encoding="utf-8"?>
-<p:sld xmlns:a="http://schemas.openxmlformats.org/drawingml/2006/main" xmlns:r="http://schemas.openxmlformats.org/officeDocument/2006/relationships" xmlns:p="http://schemas.openxmlformats.org/presentationml/2006/main">
-  <p:cSld>
-    <p:spTree>
-      <p:nvGrpSpPr>
-        <p:cNvPr id="1" name=""/>
-        <p:cNvGrpSpPr/>
-        <p:nvPr/>
-      </p:nvGrpSpPr>
-      <p:grpSpPr>
-        <a:xfrm>
-          <a:off x="0" y="0"/>
-          <a:ext cx="0" cy="0"/>
-          <a:chOff x="0" y="0"/>
-          <a:chExt cx="0" cy="0"/>
-        </a:xfrm>
-      </p:grpSpPr>
-      <p:sp>
-        <p:nvSpPr>
-          <p:cNvPr id="2" name="Title 1">
-            <a:extLst>
-              <a:ext uri="{FF2B5EF4-FFF2-40B4-BE49-F238E27FC236}">
-                <a16:creationId xmlns:a16="http://schemas.microsoft.com/office/drawing/2014/main" id="{1D451765-3852-2E4B-A22A-86AB64DE2586}"/>
-              </a:ext>
-            </a:extLst>
-          </p:cNvPr>
-          <p:cNvSpPr>
-            <a:spLocks noGrp="1"/>
-          </p:cNvSpPr>
-          <p:nvPr>
-            <p:ph type="title"/>
-          </p:nvPr>
-        </p:nvSpPr>
-        <p:spPr>
-          <a:xfrm>
-            <a:off x="1141412" y="0"/>
-            <a:ext cx="9905998" cy="1478570"/>
-          </a:xfrm>
-        </p:spPr>
-        <p:txBody>
-          <a:bodyPr/>
-          <a:lstStyle/>
-          <a:p>
-            <a:r>
-              <a:rPr lang="en-US" dirty="0"/>
-              <a:t>			  conclusion</a:t>
-            </a:r>
-          </a:p>
-        </p:txBody>
-      </p:sp>
-      <p:sp>
-        <p:nvSpPr>
-          <p:cNvPr id="3" name="Content Placeholder 2">
-            <a:extLst>
-              <a:ext uri="{FF2B5EF4-FFF2-40B4-BE49-F238E27FC236}">
-                <a16:creationId xmlns:a16="http://schemas.microsoft.com/office/drawing/2014/main" id="{7A74ABCB-C915-2644-AA3E-719302B2C7AC}"/>
-              </a:ext>
-            </a:extLst>
-          </p:cNvPr>
-          <p:cNvSpPr>
-            <a:spLocks noGrp="1"/>
-          </p:cNvSpPr>
-          <p:nvPr>
-            <p:ph idx="1"/>
-          </p:nvPr>
-        </p:nvSpPr>
-        <p:spPr>
-          <a:xfrm>
-            <a:off x="1141412" y="1661532"/>
-            <a:ext cx="10322041" cy="4861931"/>
-          </a:xfrm>
-        </p:spPr>
-        <p:txBody>
-          <a:bodyPr>
-            <a:noAutofit/>
-          </a:bodyPr>
-          <a:lstStyle/>
-          <a:p>
-            <a:r>
-              <a:rPr lang="en-GB" dirty="0"/>
-              <a:t>This Analysis concludes that compared to Studio District, </a:t>
-            </a:r>
-            <a:r>
-              <a:rPr lang="en-GB" dirty="0" err="1"/>
-              <a:t>Davisville</a:t>
-            </a:r>
-            <a:r>
-              <a:rPr lang="en-GB" dirty="0"/>
-              <a:t> has the higher number of population ,good school rating , less crime rate and a reasonable average housing price ,also top 10 common venues shows </a:t>
-            </a:r>
-            <a:r>
-              <a:rPr lang="en-GB" dirty="0" err="1"/>
-              <a:t>Davisville</a:t>
-            </a:r>
-            <a:r>
-              <a:rPr lang="en-GB" dirty="0"/>
-              <a:t> has got a good neighbourhood. Hence </a:t>
-            </a:r>
-            <a:r>
-              <a:rPr lang="en-GB" dirty="0" err="1"/>
-              <a:t>Davisville</a:t>
-            </a:r>
-            <a:r>
-              <a:rPr lang="en-GB" dirty="0"/>
-              <a:t> wins over Studio District.</a:t>
-            </a:r>
-          </a:p>
-          <a:p>
-            <a:pPr marL="0" indent="0">
-              <a:buNone/>
-            </a:pPr>
-            <a:br>
-              <a:rPr lang="en-US" dirty="0"/>
-            </a:br>
-            <a:endParaRPr lang="en-US" dirty="0"/>
-          </a:p>
-        </p:txBody>
-      </p:sp>
-    </p:spTree>
-    <p:extLst>
-      <p:ext uri="{BB962C8B-B14F-4D97-AF65-F5344CB8AC3E}">
-        <p14:creationId xmlns:p14="http://schemas.microsoft.com/office/powerpoint/2010/main" val="2042338653"/>
-      </p:ext>
-    </p:extLst>
-  </p:cSld>
-  <p:clrMapOvr>
-    <a:masterClrMapping/>
-  </p:clrMapOvr>
-</p:sld>
-</file>
-
 <file path=ppt/slides/slide19.xml><?xml version="1.0" encoding="utf-8"?>
 <p:sld xmlns:a="http://schemas.openxmlformats.org/drawingml/2006/main" xmlns:r="http://schemas.openxmlformats.org/officeDocument/2006/relationships" xmlns:p="http://schemas.openxmlformats.org/presentationml/2006/main">
   <p:cSld>
@@ -7239,7 +7205,7 @@
           <p:cNvPr id="2" name="Title 1">
             <a:extLst>
               <a:ext uri="{FF2B5EF4-FFF2-40B4-BE49-F238E27FC236}">
-                <a16:creationId xmlns:a16="http://schemas.microsoft.com/office/drawing/2014/main" id="{FDFCF21B-A006-EF49-B7BF-F2E2890C5457}"/>
+                <a16:creationId xmlns:a16="http://schemas.microsoft.com/office/drawing/2014/main" id="{1D451765-3852-2E4B-A22A-86AB64DE2586}"/>
               </a:ext>
             </a:extLst>
           </p:cNvPr>
@@ -7252,7 +7218,7 @@
         </p:nvSpPr>
         <p:spPr>
           <a:xfrm>
-            <a:off x="1130262" y="2706687"/>
+            <a:off x="1141412" y="0"/>
             <a:ext cx="9905998" cy="1478570"/>
           </a:xfrm>
         </p:spPr>
@@ -7262,15 +7228,119 @@
           <a:p>
             <a:r>
               <a:rPr lang="en-US" dirty="0"/>
-              <a:t>				Thank you</a:t>
-            </a:r>
+              <a:t>			  Discussion</a:t>
+            </a:r>
+          </a:p>
+        </p:txBody>
+      </p:sp>
+      <p:sp>
+        <p:nvSpPr>
+          <p:cNvPr id="3" name="Content Placeholder 2">
+            <a:extLst>
+              <a:ext uri="{FF2B5EF4-FFF2-40B4-BE49-F238E27FC236}">
+                <a16:creationId xmlns:a16="http://schemas.microsoft.com/office/drawing/2014/main" id="{7A74ABCB-C915-2644-AA3E-719302B2C7AC}"/>
+              </a:ext>
+            </a:extLst>
+          </p:cNvPr>
+          <p:cNvSpPr>
+            <a:spLocks noGrp="1"/>
+          </p:cNvSpPr>
+          <p:nvPr>
+            <p:ph idx="1"/>
+          </p:nvPr>
+        </p:nvSpPr>
+        <p:spPr>
+          <a:xfrm>
+            <a:off x="1141412" y="1661532"/>
+            <a:ext cx="10322041" cy="4861931"/>
+          </a:xfrm>
+        </p:spPr>
+        <p:txBody>
+          <a:bodyPr>
+            <a:noAutofit/>
+          </a:bodyPr>
+          <a:lstStyle/>
+          <a:p>
+            <a:r>
+              <a:rPr lang="en-GB" sz="1800" dirty="0"/>
+              <a:t>Compared to Studio District, </a:t>
+            </a:r>
+            <a:r>
+              <a:rPr lang="en-GB" sz="1800" dirty="0" err="1"/>
+              <a:t>Davisville</a:t>
+            </a:r>
+            <a:r>
+              <a:rPr lang="en-GB" sz="1800" dirty="0"/>
+              <a:t> has the higher number of population ,good school rating , less crime rate and a reasonable </a:t>
+            </a:r>
+            <a:r>
+              <a:rPr lang="en-GB" sz="1800" dirty="0" err="1"/>
+              <a:t>avg</a:t>
+            </a:r>
+            <a:r>
+              <a:rPr lang="en-GB" sz="1800" dirty="0"/>
+              <a:t> housing price ,also top 5 common venues shows </a:t>
+            </a:r>
+            <a:r>
+              <a:rPr lang="en-GB" sz="1800" dirty="0" err="1"/>
+              <a:t>Davisville</a:t>
+            </a:r>
+            <a:r>
+              <a:rPr lang="en-GB" sz="1800" dirty="0"/>
+              <a:t> has </a:t>
+            </a:r>
+            <a:r>
+              <a:rPr lang="en-GB" sz="1800" dirty="0" err="1"/>
+              <a:t>gotton</a:t>
+            </a:r>
+            <a:r>
+              <a:rPr lang="en-GB" sz="1800" dirty="0"/>
+              <a:t> a good </a:t>
+            </a:r>
+            <a:r>
+              <a:rPr lang="en-GB" sz="1800" dirty="0" err="1"/>
+              <a:t>neighborhood</a:t>
+            </a:r>
+            <a:r>
+              <a:rPr lang="en-GB" sz="1800" dirty="0"/>
+              <a:t>. In future the analysis can be generalized to </a:t>
+            </a:r>
+          </a:p>
+          <a:p>
+            <a:pPr lvl="1"/>
+            <a:r>
+              <a:rPr lang="en-GB" sz="1800" dirty="0"/>
+              <a:t> both residential and commercial space </a:t>
+            </a:r>
+          </a:p>
+          <a:p>
+            <a:pPr lvl="1"/>
+            <a:r>
+              <a:rPr lang="en-GB" sz="1800" dirty="0"/>
+              <a:t>add more factors like job/study location</a:t>
+            </a:r>
+          </a:p>
+          <a:p>
+            <a:r>
+              <a:rPr lang="en-GB" sz="1800" dirty="0"/>
+              <a:t>and a neighbourhood prediction engine can be modelled using clustering and segmentation for reliable prediction results.</a:t>
+            </a:r>
+          </a:p>
+          <a:p>
+            <a:pPr marL="0" indent="0">
+              <a:buNone/>
+            </a:pPr>
+            <a:br>
+              <a:rPr lang="en-US" dirty="0"/>
+            </a:br>
+            <a:endParaRPr lang="en-US" dirty="0"/>
           </a:p>
         </p:txBody>
       </p:sp>
     </p:spTree>
     <p:extLst>
       <p:ext uri="{BB962C8B-B14F-4D97-AF65-F5344CB8AC3E}">
-        <p14:creationId xmlns:p14="http://schemas.microsoft.com/office/powerpoint/2010/main" val="82422039"/>
+        <p14:creationId xmlns:p14="http://schemas.microsoft.com/office/powerpoint/2010/main" val="2042338653"/>
       </p:ext>
     </p:extLst>
   </p:cSld>
@@ -7365,6 +7435,176 @@
     <p:extLst>
       <p:ext uri="{BB962C8B-B14F-4D97-AF65-F5344CB8AC3E}">
         <p14:creationId xmlns:p14="http://schemas.microsoft.com/office/powerpoint/2010/main" val="325809537"/>
+      </p:ext>
+    </p:extLst>
+  </p:cSld>
+  <p:clrMapOvr>
+    <a:masterClrMapping/>
+  </p:clrMapOvr>
+</p:sld>
+</file>
+
+<file path=ppt/slides/slide20.xml><?xml version="1.0" encoding="utf-8"?>
+<p:sld xmlns:a="http://schemas.openxmlformats.org/drawingml/2006/main" xmlns:r="http://schemas.openxmlformats.org/officeDocument/2006/relationships" xmlns:p="http://schemas.openxmlformats.org/presentationml/2006/main">
+  <p:cSld>
+    <p:spTree>
+      <p:nvGrpSpPr>
+        <p:cNvPr id="1" name=""/>
+        <p:cNvGrpSpPr/>
+        <p:nvPr/>
+      </p:nvGrpSpPr>
+      <p:grpSpPr>
+        <a:xfrm>
+          <a:off x="0" y="0"/>
+          <a:ext cx="0" cy="0"/>
+          <a:chOff x="0" y="0"/>
+          <a:chExt cx="0" cy="0"/>
+        </a:xfrm>
+      </p:grpSpPr>
+      <p:sp>
+        <p:nvSpPr>
+          <p:cNvPr id="2" name="Title 1">
+            <a:extLst>
+              <a:ext uri="{FF2B5EF4-FFF2-40B4-BE49-F238E27FC236}">
+                <a16:creationId xmlns:a16="http://schemas.microsoft.com/office/drawing/2014/main" id="{1D451765-3852-2E4B-A22A-86AB64DE2586}"/>
+              </a:ext>
+            </a:extLst>
+          </p:cNvPr>
+          <p:cNvSpPr>
+            <a:spLocks noGrp="1"/>
+          </p:cNvSpPr>
+          <p:nvPr>
+            <p:ph type="title"/>
+          </p:nvPr>
+        </p:nvSpPr>
+        <p:spPr>
+          <a:xfrm>
+            <a:off x="1141412" y="0"/>
+            <a:ext cx="9905998" cy="1478570"/>
+          </a:xfrm>
+        </p:spPr>
+        <p:txBody>
+          <a:bodyPr/>
+          <a:lstStyle/>
+          <a:p>
+            <a:r>
+              <a:rPr lang="en-US" dirty="0"/>
+              <a:t>			  Conclusion</a:t>
+            </a:r>
+          </a:p>
+        </p:txBody>
+      </p:sp>
+      <p:sp>
+        <p:nvSpPr>
+          <p:cNvPr id="3" name="Content Placeholder 2">
+            <a:extLst>
+              <a:ext uri="{FF2B5EF4-FFF2-40B4-BE49-F238E27FC236}">
+                <a16:creationId xmlns:a16="http://schemas.microsoft.com/office/drawing/2014/main" id="{7A74ABCB-C915-2644-AA3E-719302B2C7AC}"/>
+              </a:ext>
+            </a:extLst>
+          </p:cNvPr>
+          <p:cNvSpPr>
+            <a:spLocks noGrp="1"/>
+          </p:cNvSpPr>
+          <p:nvPr>
+            <p:ph idx="1"/>
+          </p:nvPr>
+        </p:nvSpPr>
+        <p:spPr>
+          <a:xfrm>
+            <a:off x="1273934" y="535097"/>
+            <a:ext cx="10322041" cy="4861931"/>
+          </a:xfrm>
+        </p:spPr>
+        <p:txBody>
+          <a:bodyPr>
+            <a:noAutofit/>
+          </a:bodyPr>
+          <a:lstStyle/>
+          <a:p>
+            <a:r>
+              <a:rPr lang="en-GB" dirty="0"/>
+              <a:t>This Analysis concludes  </a:t>
+            </a:r>
+            <a:r>
+              <a:rPr lang="en-GB" dirty="0" err="1"/>
+              <a:t>Davisville</a:t>
+            </a:r>
+            <a:r>
+              <a:rPr lang="en-GB" dirty="0"/>
+              <a:t> is a better locality to buy/rent a house based of factors like population, school rating, crime rate , top common venues and average house price.</a:t>
+            </a:r>
+            <a:endParaRPr lang="en-US" dirty="0"/>
+          </a:p>
+        </p:txBody>
+      </p:sp>
+    </p:spTree>
+    <p:extLst>
+      <p:ext uri="{BB962C8B-B14F-4D97-AF65-F5344CB8AC3E}">
+        <p14:creationId xmlns:p14="http://schemas.microsoft.com/office/powerpoint/2010/main" val="4135137091"/>
+      </p:ext>
+    </p:extLst>
+  </p:cSld>
+  <p:clrMapOvr>
+    <a:masterClrMapping/>
+  </p:clrMapOvr>
+</p:sld>
+</file>
+
+<file path=ppt/slides/slide21.xml><?xml version="1.0" encoding="utf-8"?>
+<p:sld xmlns:a="http://schemas.openxmlformats.org/drawingml/2006/main" xmlns:r="http://schemas.openxmlformats.org/officeDocument/2006/relationships" xmlns:p="http://schemas.openxmlformats.org/presentationml/2006/main">
+  <p:cSld>
+    <p:spTree>
+      <p:nvGrpSpPr>
+        <p:cNvPr id="1" name=""/>
+        <p:cNvGrpSpPr/>
+        <p:nvPr/>
+      </p:nvGrpSpPr>
+      <p:grpSpPr>
+        <a:xfrm>
+          <a:off x="0" y="0"/>
+          <a:ext cx="0" cy="0"/>
+          <a:chOff x="0" y="0"/>
+          <a:chExt cx="0" cy="0"/>
+        </a:xfrm>
+      </p:grpSpPr>
+      <p:sp>
+        <p:nvSpPr>
+          <p:cNvPr id="2" name="Title 1">
+            <a:extLst>
+              <a:ext uri="{FF2B5EF4-FFF2-40B4-BE49-F238E27FC236}">
+                <a16:creationId xmlns:a16="http://schemas.microsoft.com/office/drawing/2014/main" id="{FDFCF21B-A006-EF49-B7BF-F2E2890C5457}"/>
+              </a:ext>
+            </a:extLst>
+          </p:cNvPr>
+          <p:cNvSpPr>
+            <a:spLocks noGrp="1"/>
+          </p:cNvSpPr>
+          <p:nvPr>
+            <p:ph type="title"/>
+          </p:nvPr>
+        </p:nvSpPr>
+        <p:spPr>
+          <a:xfrm>
+            <a:off x="1130262" y="2706687"/>
+            <a:ext cx="9905998" cy="1478570"/>
+          </a:xfrm>
+        </p:spPr>
+        <p:txBody>
+          <a:bodyPr/>
+          <a:lstStyle/>
+          <a:p>
+            <a:r>
+              <a:rPr lang="en-US" dirty="0"/>
+              <a:t>				Thank you</a:t>
+            </a:r>
+          </a:p>
+        </p:txBody>
+      </p:sp>
+    </p:spTree>
+    <p:extLst>
+      <p:ext uri="{BB962C8B-B14F-4D97-AF65-F5344CB8AC3E}">
+        <p14:creationId xmlns:p14="http://schemas.microsoft.com/office/powerpoint/2010/main" val="82422039"/>
       </p:ext>
     </p:extLst>
   </p:cSld>
@@ -7842,6 +8082,231 @@
 </file>
 
 <file path=ppt/slides/slide6.xml><?xml version="1.0" encoding="utf-8"?>
+<p:sld xmlns:a="http://schemas.openxmlformats.org/drawingml/2006/main" xmlns:r="http://schemas.openxmlformats.org/officeDocument/2006/relationships" xmlns:p="http://schemas.openxmlformats.org/presentationml/2006/main">
+  <p:cSld>
+    <p:spTree>
+      <p:nvGrpSpPr>
+        <p:cNvPr id="1" name=""/>
+        <p:cNvGrpSpPr/>
+        <p:nvPr/>
+      </p:nvGrpSpPr>
+      <p:grpSpPr>
+        <a:xfrm>
+          <a:off x="0" y="0"/>
+          <a:ext cx="0" cy="0"/>
+          <a:chOff x="0" y="0"/>
+          <a:chExt cx="0" cy="0"/>
+        </a:xfrm>
+      </p:grpSpPr>
+      <p:sp>
+        <p:nvSpPr>
+          <p:cNvPr id="2" name="Rectangle 1">
+            <a:extLst>
+              <a:ext uri="{FF2B5EF4-FFF2-40B4-BE49-F238E27FC236}">
+                <a16:creationId xmlns:a16="http://schemas.microsoft.com/office/drawing/2014/main" id="{3254B0E2-7FFB-4D59-88B4-9F20BF22A62E}"/>
+              </a:ext>
+            </a:extLst>
+          </p:cNvPr>
+          <p:cNvSpPr/>
+          <p:nvPr/>
+        </p:nvSpPr>
+        <p:spPr>
+          <a:xfrm>
+            <a:off x="2107095" y="2413338"/>
+            <a:ext cx="8812695" cy="1477328"/>
+          </a:xfrm>
+          <a:prstGeom prst="rect">
+            <a:avLst/>
+          </a:prstGeom>
+        </p:spPr>
+        <p:txBody>
+          <a:bodyPr wrap="square">
+            <a:spAutoFit/>
+          </a:bodyPr>
+          <a:lstStyle/>
+          <a:p>
+            <a:r>
+              <a:rPr lang="en-GB" b="1" dirty="0">
+                <a:solidFill>
+                  <a:srgbClr val="000000"/>
+                </a:solidFill>
+                <a:latin typeface="inherit"/>
+              </a:rPr>
+              <a:t>Business Understanding</a:t>
+            </a:r>
+          </a:p>
+          <a:p>
+            <a:r>
+              <a:rPr lang="en-GB" dirty="0">
+                <a:solidFill>
+                  <a:srgbClr val="000000"/>
+                </a:solidFill>
+                <a:latin typeface="ibm-plex-sans"/>
+              </a:rPr>
+              <a:t>Our main goal is to get an ideal location in Toronto to buy/rent a house.</a:t>
+            </a:r>
+          </a:p>
+          <a:p>
+            <a:r>
+              <a:rPr lang="en-GB" b="1" dirty="0">
+                <a:solidFill>
+                  <a:srgbClr val="000000"/>
+                </a:solidFill>
+                <a:latin typeface="inherit"/>
+              </a:rPr>
+              <a:t>Analytic Approach</a:t>
+            </a:r>
+          </a:p>
+          <a:p>
+            <a:r>
+              <a:rPr lang="en-GB" dirty="0">
+                <a:solidFill>
+                  <a:srgbClr val="000000"/>
+                </a:solidFill>
+                <a:latin typeface="ibm-plex-sans"/>
+              </a:rPr>
+              <a:t>Segmenting and Clustering of the neighbourhood of Toronto is done for exploratory data analysis.</a:t>
+            </a:r>
+            <a:endParaRPr lang="en-GB" b="0" i="0" dirty="0">
+              <a:solidFill>
+                <a:srgbClr val="000000"/>
+              </a:solidFill>
+              <a:effectLst/>
+              <a:latin typeface="ibm-plex-sans"/>
+            </a:endParaRPr>
+          </a:p>
+        </p:txBody>
+      </p:sp>
+      <p:sp>
+        <p:nvSpPr>
+          <p:cNvPr id="4" name="Title 1">
+            <a:extLst>
+              <a:ext uri="{FF2B5EF4-FFF2-40B4-BE49-F238E27FC236}">
+                <a16:creationId xmlns:a16="http://schemas.microsoft.com/office/drawing/2014/main" id="{7B20AE13-B1D1-46C6-AD48-E496CC3B0578}"/>
+              </a:ext>
+            </a:extLst>
+          </p:cNvPr>
+          <p:cNvSpPr txBox="1">
+            <a:spLocks/>
+          </p:cNvSpPr>
+          <p:nvPr/>
+        </p:nvSpPr>
+        <p:spPr>
+          <a:xfrm>
+            <a:off x="1484311" y="685800"/>
+            <a:ext cx="10018713" cy="1752599"/>
+          </a:xfrm>
+          <a:prstGeom prst="rect">
+            <a:avLst/>
+          </a:prstGeom>
+        </p:spPr>
+        <p:txBody>
+          <a:bodyPr>
+            <a:normAutofit fontScale="97500"/>
+          </a:bodyPr>
+          <a:lstStyle>
+            <a:lvl1pPr algn="ctr" defTabSz="457200" rtl="0" eaLnBrk="1" latinLnBrk="0" hangingPunct="1">
+              <a:spcBef>
+                <a:spcPct val="0"/>
+              </a:spcBef>
+              <a:buNone/>
+              <a:defRPr sz="4000" kern="1200" cap="none">
+                <a:ln w="3175" cmpd="sng">
+                  <a:noFill/>
+                </a:ln>
+                <a:solidFill>
+                  <a:schemeClr val="tx1"/>
+                </a:solidFill>
+                <a:effectLst/>
+                <a:latin typeface="+mj-lt"/>
+                <a:ea typeface="+mj-ea"/>
+                <a:cs typeface="+mj-cs"/>
+              </a:defRPr>
+            </a:lvl1pPr>
+            <a:lvl2pPr eaLnBrk="1" hangingPunct="1">
+              <a:defRPr>
+                <a:solidFill>
+                  <a:schemeClr val="tx2"/>
+                </a:solidFill>
+              </a:defRPr>
+            </a:lvl2pPr>
+            <a:lvl3pPr eaLnBrk="1" hangingPunct="1">
+              <a:defRPr>
+                <a:solidFill>
+                  <a:schemeClr val="tx2"/>
+                </a:solidFill>
+              </a:defRPr>
+            </a:lvl3pPr>
+            <a:lvl4pPr eaLnBrk="1" hangingPunct="1">
+              <a:defRPr>
+                <a:solidFill>
+                  <a:schemeClr val="tx2"/>
+                </a:solidFill>
+              </a:defRPr>
+            </a:lvl4pPr>
+            <a:lvl5pPr eaLnBrk="1" hangingPunct="1">
+              <a:defRPr>
+                <a:solidFill>
+                  <a:schemeClr val="tx2"/>
+                </a:solidFill>
+              </a:defRPr>
+            </a:lvl5pPr>
+            <a:lvl6pPr eaLnBrk="1" hangingPunct="1">
+              <a:defRPr>
+                <a:solidFill>
+                  <a:schemeClr val="tx2"/>
+                </a:solidFill>
+              </a:defRPr>
+            </a:lvl6pPr>
+            <a:lvl7pPr eaLnBrk="1" hangingPunct="1">
+              <a:defRPr>
+                <a:solidFill>
+                  <a:schemeClr val="tx2"/>
+                </a:solidFill>
+              </a:defRPr>
+            </a:lvl7pPr>
+            <a:lvl8pPr eaLnBrk="1" hangingPunct="1">
+              <a:defRPr>
+                <a:solidFill>
+                  <a:schemeClr val="tx2"/>
+                </a:solidFill>
+              </a:defRPr>
+            </a:lvl8pPr>
+            <a:lvl9pPr eaLnBrk="1" hangingPunct="1">
+              <a:defRPr>
+                <a:solidFill>
+                  <a:schemeClr val="tx2"/>
+                </a:solidFill>
+              </a:defRPr>
+            </a:lvl9pPr>
+          </a:lstStyle>
+          <a:p>
+            <a:pPr algn="l"/>
+            <a:r>
+              <a:rPr lang="en-GB" b="1" dirty="0"/>
+              <a:t>Methodology</a:t>
+            </a:r>
+            <a:br>
+              <a:rPr lang="en-GB" b="1" dirty="0"/>
+            </a:br>
+            <a:endParaRPr lang="en-US" dirty="0"/>
+          </a:p>
+        </p:txBody>
+      </p:sp>
+    </p:spTree>
+    <p:extLst>
+      <p:ext uri="{BB962C8B-B14F-4D97-AF65-F5344CB8AC3E}">
+        <p14:creationId xmlns:p14="http://schemas.microsoft.com/office/powerpoint/2010/main" val="2316739292"/>
+      </p:ext>
+    </p:extLst>
+  </p:cSld>
+  <p:clrMapOvr>
+    <a:masterClrMapping/>
+  </p:clrMapOvr>
+</p:sld>
+</file>
+
+<file path=ppt/slides/slide7.xml><?xml version="1.0" encoding="utf-8"?>
 <p:sld xmlns:a="http://schemas.openxmlformats.org/drawingml/2006/main" xmlns:r="http://schemas.openxmlformats.org/officeDocument/2006/relationships" xmlns:p="http://schemas.openxmlformats.org/presentationml/2006/main">
   <p:cSld>
     <p:spTree>
@@ -7948,7 +8413,7 @@
 </p:sld>
 </file>
 
-<file path=ppt/slides/slide7.xml><?xml version="1.0" encoding="utf-8"?>
+<file path=ppt/slides/slide8.xml><?xml version="1.0" encoding="utf-8"?>
 <p:sld xmlns:a="http://schemas.openxmlformats.org/drawingml/2006/main" xmlns:r="http://schemas.openxmlformats.org/officeDocument/2006/relationships" xmlns:p="http://schemas.openxmlformats.org/presentationml/2006/main">
   <p:cSld>
     <p:spTree>
@@ -8055,7 +8520,7 @@
 </p:sld>
 </file>
 
-<file path=ppt/slides/slide8.xml><?xml version="1.0" encoding="utf-8"?>
+<file path=ppt/slides/slide9.xml><?xml version="1.0" encoding="utf-8"?>
 <p:sld xmlns:a="http://schemas.openxmlformats.org/drawingml/2006/main" xmlns:r="http://schemas.openxmlformats.org/officeDocument/2006/relationships" xmlns:p="http://schemas.openxmlformats.org/presentationml/2006/main">
   <p:cSld>
     <p:spTree>
@@ -8141,101 +8606,6 @@
     <p:extLst>
       <p:ext uri="{BB962C8B-B14F-4D97-AF65-F5344CB8AC3E}">
         <p14:creationId xmlns:p14="http://schemas.microsoft.com/office/powerpoint/2010/main" val="2318589387"/>
-      </p:ext>
-    </p:extLst>
-  </p:cSld>
-  <p:clrMapOvr>
-    <a:masterClrMapping/>
-  </p:clrMapOvr>
-</p:sld>
-</file>
-
-<file path=ppt/slides/slide9.xml><?xml version="1.0" encoding="utf-8"?>
-<p:sld xmlns:a="http://schemas.openxmlformats.org/drawingml/2006/main" xmlns:r="http://schemas.openxmlformats.org/officeDocument/2006/relationships" xmlns:p="http://schemas.openxmlformats.org/presentationml/2006/main">
-  <p:cSld>
-    <p:spTree>
-      <p:nvGrpSpPr>
-        <p:cNvPr id="1" name=""/>
-        <p:cNvGrpSpPr/>
-        <p:nvPr/>
-      </p:nvGrpSpPr>
-      <p:grpSpPr>
-        <a:xfrm>
-          <a:off x="0" y="0"/>
-          <a:ext cx="0" cy="0"/>
-          <a:chOff x="0" y="0"/>
-          <a:chExt cx="0" cy="0"/>
-        </a:xfrm>
-      </p:grpSpPr>
-      <p:pic>
-        <p:nvPicPr>
-          <p:cNvPr id="7" name="Picture 6">
-            <a:extLst>
-              <a:ext uri="{FF2B5EF4-FFF2-40B4-BE49-F238E27FC236}">
-                <a16:creationId xmlns:a16="http://schemas.microsoft.com/office/drawing/2014/main" id="{DFB5D164-8017-422D-A71C-AF89F78391FD}"/>
-              </a:ext>
-            </a:extLst>
-          </p:cNvPr>
-          <p:cNvPicPr>
-            <a:picLocks noChangeAspect="1"/>
-          </p:cNvPicPr>
-          <p:nvPr/>
-        </p:nvPicPr>
-        <p:blipFill>
-          <a:blip r:embed="rId2"/>
-          <a:stretch>
-            <a:fillRect/>
-          </a:stretch>
-        </p:blipFill>
-        <p:spPr>
-          <a:xfrm>
-            <a:off x="1771650" y="1585913"/>
-            <a:ext cx="9301163" cy="7115175"/>
-          </a:xfrm>
-          <a:prstGeom prst="rect">
-            <a:avLst/>
-          </a:prstGeom>
-        </p:spPr>
-      </p:pic>
-      <p:sp>
-        <p:nvSpPr>
-          <p:cNvPr id="8" name="TextBox 7">
-            <a:extLst>
-              <a:ext uri="{FF2B5EF4-FFF2-40B4-BE49-F238E27FC236}">
-                <a16:creationId xmlns:a16="http://schemas.microsoft.com/office/drawing/2014/main" id="{FE914200-C3AE-497C-83F3-F1791F255605}"/>
-              </a:ext>
-            </a:extLst>
-          </p:cNvPr>
-          <p:cNvSpPr txBox="1"/>
-          <p:nvPr/>
-        </p:nvSpPr>
-        <p:spPr>
-          <a:xfrm>
-            <a:off x="1428751" y="223181"/>
-            <a:ext cx="10421507" cy="646331"/>
-          </a:xfrm>
-          <a:prstGeom prst="rect">
-            <a:avLst/>
-          </a:prstGeom>
-          <a:noFill/>
-        </p:spPr>
-        <p:txBody>
-          <a:bodyPr wrap="none" rtlCol="0">
-            <a:spAutoFit/>
-          </a:bodyPr>
-          <a:lstStyle/>
-          <a:p>
-            <a:r>
-              <a:rPr lang="en-GB" sz="3600" b="1" dirty="0"/>
-              <a:t>Neighbourhood of Toronto - Average school ratings</a:t>
-            </a:r>
-          </a:p>
-        </p:txBody>
-      </p:sp>
-    </p:spTree>
-    <p:extLst>
-      <p:ext uri="{BB962C8B-B14F-4D97-AF65-F5344CB8AC3E}">
-        <p14:creationId xmlns:p14="http://schemas.microsoft.com/office/powerpoint/2010/main" val="638095651"/>
       </p:ext>
     </p:extLst>
   </p:cSld>
